--- a/SciPy2019_LightningTalk.pptx
+++ b/SciPy2019_LightningTalk.pptx
@@ -4603,7 +4603,7 @@
           <a:p>
             <a:r>
               <a:rPr lang="en-US" sz="2400" b="1" dirty="0"/>
-              <a:t>github.com/</a:t>
+              <a:t>        </a:t>
             </a:r>
             <a:r>
               <a:rPr lang="en-US" sz="2400" b="1" dirty="0" err="1"/>
@@ -4830,6 +4830,53 @@
           <a:xfrm>
             <a:off x="1250855" y="5419354"/>
             <a:ext cx="869954" cy="869954"/>
+          </a:xfrm>
+          <a:prstGeom prst="rect">
+            <a:avLst/>
+          </a:prstGeom>
+          <a:noFill/>
+          <a:extLst>
+            <a:ext uri="{909E8E84-426E-40DD-AFC4-6F175D3DCCD1}">
+              <a14:hiddenFill xmlns:a14="http://schemas.microsoft.com/office/drawing/2010/main">
+                <a:solidFill>
+                  <a:srgbClr val="FFFFFF"/>
+                </a:solidFill>
+              </a14:hiddenFill>
+            </a:ext>
+          </a:extLst>
+        </p:spPr>
+      </p:pic>
+      <p:pic>
+        <p:nvPicPr>
+          <p:cNvPr id="10" name="Picture 6" descr="Image result for github logo">
+            <a:extLst>
+              <a:ext uri="{FF2B5EF4-FFF2-40B4-BE49-F238E27FC236}">
+                <a16:creationId xmlns:a16="http://schemas.microsoft.com/office/drawing/2014/main" id="{F9A7C998-AF68-9D4D-B932-5414432DAB14}"/>
+              </a:ext>
+            </a:extLst>
+          </p:cNvPr>
+          <p:cNvPicPr>
+            <a:picLocks noChangeAspect="1" noChangeArrowheads="1"/>
+          </p:cNvPicPr>
+          <p:nvPr/>
+        </p:nvPicPr>
+        <p:blipFill>
+          <a:blip r:embed="rId8">
+            <a:extLst>
+              <a:ext uri="{28A0092B-C50C-407E-A947-70E740481C1C}">
+                <a14:useLocalDpi xmlns:a14="http://schemas.microsoft.com/office/drawing/2010/main" val="0"/>
+              </a:ext>
+            </a:extLst>
+          </a:blip>
+          <a:srcRect/>
+          <a:stretch>
+            <a:fillRect/>
+          </a:stretch>
+        </p:blipFill>
+        <p:spPr bwMode="auto">
+          <a:xfrm>
+            <a:off x="7148991" y="900094"/>
+            <a:ext cx="623407" cy="623407"/>
           </a:xfrm>
           <a:prstGeom prst="rect">
             <a:avLst/>
@@ -4906,23 +4953,7 @@
           <a:p>
             <a:r>
               <a:rPr lang="en-US" dirty="0"/>
-              <a:t>C. </a:t>
-            </a:r>
-            <a:r>
-              <a:rPr lang="en-US" dirty="0" err="1"/>
-              <a:t>Gosmeyer</a:t>
-            </a:r>
-            <a:r>
-              <a:rPr lang="en-US" dirty="0"/>
-              <a:t>, </a:t>
-            </a:r>
-            <a:r>
-              <a:rPr lang="en-US" dirty="0" err="1"/>
-              <a:t>github.com</a:t>
-            </a:r>
-            <a:r>
-              <a:rPr lang="en-US" dirty="0"/>
-              <a:t>/</a:t>
+              <a:t>        </a:t>
             </a:r>
             <a:r>
               <a:rPr lang="en-US" dirty="0" err="1"/>
@@ -5127,6 +5158,98 @@
           </a:p>
         </p:txBody>
       </p:sp>
+      <p:sp>
+        <p:nvSpPr>
+          <p:cNvPr id="3" name="AutoShape 4" descr="Image result for github logo">
+            <a:extLst>
+              <a:ext uri="{FF2B5EF4-FFF2-40B4-BE49-F238E27FC236}">
+                <a16:creationId xmlns:a16="http://schemas.microsoft.com/office/drawing/2014/main" id="{CFD35A94-A6E4-684E-ACF2-324FABCEB349}"/>
+              </a:ext>
+            </a:extLst>
+          </p:cNvPr>
+          <p:cNvSpPr>
+            <a:spLocks noChangeAspect="1" noChangeArrowheads="1"/>
+          </p:cNvSpPr>
+          <p:nvPr/>
+        </p:nvSpPr>
+        <p:spPr bwMode="auto">
+          <a:xfrm>
+            <a:off x="3308350" y="641350"/>
+            <a:ext cx="5575300" cy="5575300"/>
+          </a:xfrm>
+          <a:prstGeom prst="rect">
+            <a:avLst/>
+          </a:prstGeom>
+          <a:noFill/>
+          <a:extLst>
+            <a:ext uri="{909E8E84-426E-40DD-AFC4-6F175D3DCCD1}">
+              <a14:hiddenFill xmlns:a14="http://schemas.microsoft.com/office/drawing/2010/main">
+                <a:solidFill>
+                  <a:srgbClr val="FFFFFF"/>
+                </a:solidFill>
+              </a14:hiddenFill>
+            </a:ext>
+          </a:extLst>
+        </p:spPr>
+        <p:txBody>
+          <a:bodyPr vert="horz" wrap="square" lIns="91440" tIns="45720" rIns="91440" bIns="45720" numCol="1" anchor="t" anchorCtr="0" compatLnSpc="1">
+            <a:prstTxWarp prst="textNoShape">
+              <a:avLst/>
+            </a:prstTxWarp>
+          </a:bodyPr>
+          <a:lstStyle/>
+          <a:p>
+            <a:endParaRPr lang="en-US"/>
+          </a:p>
+        </p:txBody>
+      </p:sp>
+      <p:pic>
+        <p:nvPicPr>
+          <p:cNvPr id="9" name="Picture 6" descr="Image result for github logo">
+            <a:extLst>
+              <a:ext uri="{FF2B5EF4-FFF2-40B4-BE49-F238E27FC236}">
+                <a16:creationId xmlns:a16="http://schemas.microsoft.com/office/drawing/2014/main" id="{CFAA9254-68B5-5C43-B7DF-492DD2011D60}"/>
+              </a:ext>
+            </a:extLst>
+          </p:cNvPr>
+          <p:cNvPicPr>
+            <a:picLocks noChangeAspect="1" noChangeArrowheads="1"/>
+          </p:cNvPicPr>
+          <p:nvPr/>
+        </p:nvPicPr>
+        <p:blipFill>
+          <a:blip r:embed="rId5">
+            <a:extLst>
+              <a:ext uri="{28A0092B-C50C-407E-A947-70E740481C1C}">
+                <a14:useLocalDpi xmlns:a14="http://schemas.microsoft.com/office/drawing/2010/main" val="0"/>
+              </a:ext>
+            </a:extLst>
+          </a:blip>
+          <a:srcRect/>
+          <a:stretch>
+            <a:fillRect/>
+          </a:stretch>
+        </p:blipFill>
+        <p:spPr bwMode="auto">
+          <a:xfrm>
+            <a:off x="424895" y="6319395"/>
+            <a:ext cx="471182" cy="471182"/>
+          </a:xfrm>
+          <a:prstGeom prst="rect">
+            <a:avLst/>
+          </a:prstGeom>
+          <a:noFill/>
+          <a:extLst>
+            <a:ext uri="{909E8E84-426E-40DD-AFC4-6F175D3DCCD1}">
+              <a14:hiddenFill xmlns:a14="http://schemas.microsoft.com/office/drawing/2010/main">
+                <a:solidFill>
+                  <a:srgbClr val="FFFFFF"/>
+                </a:solidFill>
+              </a14:hiddenFill>
+            </a:ext>
+          </a:extLst>
+        </p:spPr>
+      </p:pic>
     </p:spTree>
     <p:extLst>
       <p:ext uri="{BB962C8B-B14F-4D97-AF65-F5344CB8AC3E}">
@@ -5159,62 +5282,6 @@
       </p:grpSpPr>
       <p:sp>
         <p:nvSpPr>
-          <p:cNvPr id="4" name="TextBox 3">
-            <a:extLst>
-              <a:ext uri="{FF2B5EF4-FFF2-40B4-BE49-F238E27FC236}">
-                <a16:creationId xmlns:a16="http://schemas.microsoft.com/office/drawing/2014/main" id="{8FCC07D1-5A41-444C-B63A-7AB8424613E5}"/>
-              </a:ext>
-            </a:extLst>
-          </p:cNvPr>
-          <p:cNvSpPr txBox="1"/>
-          <p:nvPr/>
-        </p:nvSpPr>
-        <p:spPr>
-          <a:xfrm>
-            <a:off x="355600" y="6370320"/>
-            <a:ext cx="5659120" cy="369332"/>
-          </a:xfrm>
-          <a:prstGeom prst="rect">
-            <a:avLst/>
-          </a:prstGeom>
-          <a:noFill/>
-        </p:spPr>
-        <p:txBody>
-          <a:bodyPr wrap="square" rtlCol="0">
-            <a:spAutoFit/>
-          </a:bodyPr>
-          <a:lstStyle/>
-          <a:p>
-            <a:r>
-              <a:rPr lang="en-US" dirty="0"/>
-              <a:t>C. </a:t>
-            </a:r>
-            <a:r>
-              <a:rPr lang="en-US" dirty="0" err="1"/>
-              <a:t>Gosmeyer</a:t>
-            </a:r>
-            <a:r>
-              <a:rPr lang="en-US" dirty="0"/>
-              <a:t>, </a:t>
-            </a:r>
-            <a:r>
-              <a:rPr lang="en-US" dirty="0" err="1"/>
-              <a:t>github.com</a:t>
-            </a:r>
-            <a:r>
-              <a:rPr lang="en-US" dirty="0"/>
-              <a:t>/</a:t>
-            </a:r>
-            <a:r>
-              <a:rPr lang="en-US" dirty="0" err="1"/>
-              <a:t>cgosmeyer</a:t>
-            </a:r>
-            <a:endParaRPr lang="en-US" dirty="0"/>
-          </a:p>
-        </p:txBody>
-      </p:sp>
-      <p:sp>
-        <p:nvSpPr>
           <p:cNvPr id="5" name="TextBox 4">
             <a:extLst>
               <a:ext uri="{FF2B5EF4-FFF2-40B4-BE49-F238E27FC236}">
@@ -5543,6 +5610,93 @@
           </a:p>
         </p:txBody>
       </p:sp>
+      <p:sp>
+        <p:nvSpPr>
+          <p:cNvPr id="10" name="TextBox 9">
+            <a:extLst>
+              <a:ext uri="{FF2B5EF4-FFF2-40B4-BE49-F238E27FC236}">
+                <a16:creationId xmlns:a16="http://schemas.microsoft.com/office/drawing/2014/main" id="{E9333667-29E5-9A4D-B14A-DB3596474A91}"/>
+              </a:ext>
+            </a:extLst>
+          </p:cNvPr>
+          <p:cNvSpPr txBox="1"/>
+          <p:nvPr/>
+        </p:nvSpPr>
+        <p:spPr>
+          <a:xfrm>
+            <a:off x="355600" y="6370320"/>
+            <a:ext cx="5659120" cy="369332"/>
+          </a:xfrm>
+          <a:prstGeom prst="rect">
+            <a:avLst/>
+          </a:prstGeom>
+          <a:noFill/>
+        </p:spPr>
+        <p:txBody>
+          <a:bodyPr wrap="square" rtlCol="0">
+            <a:spAutoFit/>
+          </a:bodyPr>
+          <a:lstStyle/>
+          <a:p>
+            <a:r>
+              <a:rPr lang="en-US" dirty="0"/>
+              <a:t>        </a:t>
+            </a:r>
+            <a:r>
+              <a:rPr lang="en-US" dirty="0" err="1"/>
+              <a:t>cgosmeyer</a:t>
+            </a:r>
+            <a:endParaRPr lang="en-US" dirty="0"/>
+          </a:p>
+        </p:txBody>
+      </p:sp>
+      <p:pic>
+        <p:nvPicPr>
+          <p:cNvPr id="12" name="Picture 6" descr="Image result for github logo">
+            <a:extLst>
+              <a:ext uri="{FF2B5EF4-FFF2-40B4-BE49-F238E27FC236}">
+                <a16:creationId xmlns:a16="http://schemas.microsoft.com/office/drawing/2014/main" id="{8AA30889-19F9-B147-97AF-AF02F6B1A81F}"/>
+              </a:ext>
+            </a:extLst>
+          </p:cNvPr>
+          <p:cNvPicPr>
+            <a:picLocks noChangeAspect="1" noChangeArrowheads="1"/>
+          </p:cNvPicPr>
+          <p:nvPr/>
+        </p:nvPicPr>
+        <p:blipFill>
+          <a:blip r:embed="rId6">
+            <a:extLst>
+              <a:ext uri="{28A0092B-C50C-407E-A947-70E740481C1C}">
+                <a14:useLocalDpi xmlns:a14="http://schemas.microsoft.com/office/drawing/2010/main" val="0"/>
+              </a:ext>
+            </a:extLst>
+          </a:blip>
+          <a:srcRect/>
+          <a:stretch>
+            <a:fillRect/>
+          </a:stretch>
+        </p:blipFill>
+        <p:spPr bwMode="auto">
+          <a:xfrm>
+            <a:off x="424895" y="6319395"/>
+            <a:ext cx="471182" cy="471182"/>
+          </a:xfrm>
+          <a:prstGeom prst="rect">
+            <a:avLst/>
+          </a:prstGeom>
+          <a:noFill/>
+          <a:extLst>
+            <a:ext uri="{909E8E84-426E-40DD-AFC4-6F175D3DCCD1}">
+              <a14:hiddenFill xmlns:a14="http://schemas.microsoft.com/office/drawing/2010/main">
+                <a:solidFill>
+                  <a:srgbClr val="FFFFFF"/>
+                </a:solidFill>
+              </a14:hiddenFill>
+            </a:ext>
+          </a:extLst>
+        </p:spPr>
+      </p:pic>
     </p:spTree>
     <p:extLst>
       <p:ext uri="{BB962C8B-B14F-4D97-AF65-F5344CB8AC3E}">
@@ -5704,62 +5858,6 @@
       </p:grpSpPr>
       <p:sp>
         <p:nvSpPr>
-          <p:cNvPr id="4" name="TextBox 3">
-            <a:extLst>
-              <a:ext uri="{FF2B5EF4-FFF2-40B4-BE49-F238E27FC236}">
-                <a16:creationId xmlns:a16="http://schemas.microsoft.com/office/drawing/2014/main" id="{4B8E2F85-84CC-334D-B3A2-E0F6BE09DCFF}"/>
-              </a:ext>
-            </a:extLst>
-          </p:cNvPr>
-          <p:cNvSpPr txBox="1"/>
-          <p:nvPr/>
-        </p:nvSpPr>
-        <p:spPr>
-          <a:xfrm>
-            <a:off x="355600" y="6370320"/>
-            <a:ext cx="5659120" cy="369332"/>
-          </a:xfrm>
-          <a:prstGeom prst="rect">
-            <a:avLst/>
-          </a:prstGeom>
-          <a:noFill/>
-        </p:spPr>
-        <p:txBody>
-          <a:bodyPr wrap="square" rtlCol="0">
-            <a:spAutoFit/>
-          </a:bodyPr>
-          <a:lstStyle/>
-          <a:p>
-            <a:r>
-              <a:rPr lang="en-US" dirty="0"/>
-              <a:t>C. </a:t>
-            </a:r>
-            <a:r>
-              <a:rPr lang="en-US" dirty="0" err="1"/>
-              <a:t>Gosmeyer</a:t>
-            </a:r>
-            <a:r>
-              <a:rPr lang="en-US" dirty="0"/>
-              <a:t>, </a:t>
-            </a:r>
-            <a:r>
-              <a:rPr lang="en-US" dirty="0" err="1"/>
-              <a:t>github.com</a:t>
-            </a:r>
-            <a:r>
-              <a:rPr lang="en-US" dirty="0"/>
-              <a:t>/</a:t>
-            </a:r>
-            <a:r>
-              <a:rPr lang="en-US" dirty="0" err="1"/>
-              <a:t>cgosmeyer</a:t>
-            </a:r>
-            <a:endParaRPr lang="en-US" dirty="0"/>
-          </a:p>
-        </p:txBody>
-      </p:sp>
-      <p:sp>
-        <p:nvSpPr>
           <p:cNvPr id="9" name="Rectangle 8">
             <a:extLst>
               <a:ext uri="{FF2B5EF4-FFF2-40B4-BE49-F238E27FC236}">
@@ -6256,6 +6354,93 @@
           </a:p>
         </p:txBody>
       </p:sp>
+      <p:sp>
+        <p:nvSpPr>
+          <p:cNvPr id="15" name="TextBox 14">
+            <a:extLst>
+              <a:ext uri="{FF2B5EF4-FFF2-40B4-BE49-F238E27FC236}">
+                <a16:creationId xmlns:a16="http://schemas.microsoft.com/office/drawing/2014/main" id="{371CB229-156D-F242-B1AF-42874199DC49}"/>
+              </a:ext>
+            </a:extLst>
+          </p:cNvPr>
+          <p:cNvSpPr txBox="1"/>
+          <p:nvPr/>
+        </p:nvSpPr>
+        <p:spPr>
+          <a:xfrm>
+            <a:off x="355600" y="6370320"/>
+            <a:ext cx="5659120" cy="369332"/>
+          </a:xfrm>
+          <a:prstGeom prst="rect">
+            <a:avLst/>
+          </a:prstGeom>
+          <a:noFill/>
+        </p:spPr>
+        <p:txBody>
+          <a:bodyPr wrap="square" rtlCol="0">
+            <a:spAutoFit/>
+          </a:bodyPr>
+          <a:lstStyle/>
+          <a:p>
+            <a:r>
+              <a:rPr lang="en-US" dirty="0"/>
+              <a:t>        </a:t>
+            </a:r>
+            <a:r>
+              <a:rPr lang="en-US" dirty="0" err="1"/>
+              <a:t>cgosmeyer</a:t>
+            </a:r>
+            <a:endParaRPr lang="en-US" dirty="0"/>
+          </a:p>
+        </p:txBody>
+      </p:sp>
+      <p:pic>
+        <p:nvPicPr>
+          <p:cNvPr id="16" name="Picture 6" descr="Image result for github logo">
+            <a:extLst>
+              <a:ext uri="{FF2B5EF4-FFF2-40B4-BE49-F238E27FC236}">
+                <a16:creationId xmlns:a16="http://schemas.microsoft.com/office/drawing/2014/main" id="{51D7FB09-FE6D-F145-B6FA-EDB6DE5CAF75}"/>
+              </a:ext>
+            </a:extLst>
+          </p:cNvPr>
+          <p:cNvPicPr>
+            <a:picLocks noChangeAspect="1" noChangeArrowheads="1"/>
+          </p:cNvPicPr>
+          <p:nvPr/>
+        </p:nvPicPr>
+        <p:blipFill>
+          <a:blip r:embed="rId5">
+            <a:extLst>
+              <a:ext uri="{28A0092B-C50C-407E-A947-70E740481C1C}">
+                <a14:useLocalDpi xmlns:a14="http://schemas.microsoft.com/office/drawing/2010/main" val="0"/>
+              </a:ext>
+            </a:extLst>
+          </a:blip>
+          <a:srcRect/>
+          <a:stretch>
+            <a:fillRect/>
+          </a:stretch>
+        </p:blipFill>
+        <p:spPr bwMode="auto">
+          <a:xfrm>
+            <a:off x="424895" y="6319395"/>
+            <a:ext cx="471182" cy="471182"/>
+          </a:xfrm>
+          <a:prstGeom prst="rect">
+            <a:avLst/>
+          </a:prstGeom>
+          <a:noFill/>
+          <a:extLst>
+            <a:ext uri="{909E8E84-426E-40DD-AFC4-6F175D3DCCD1}">
+              <a14:hiddenFill xmlns:a14="http://schemas.microsoft.com/office/drawing/2010/main">
+                <a:solidFill>
+                  <a:srgbClr val="FFFFFF"/>
+                </a:solidFill>
+              </a14:hiddenFill>
+            </a:ext>
+          </a:extLst>
+        </p:spPr>
+      </p:pic>
     </p:spTree>
     <p:extLst>
       <p:ext uri="{BB962C8B-B14F-4D97-AF65-F5344CB8AC3E}">
@@ -6288,62 +6473,6 @@
       </p:grpSpPr>
       <p:sp>
         <p:nvSpPr>
-          <p:cNvPr id="4" name="TextBox 3">
-            <a:extLst>
-              <a:ext uri="{FF2B5EF4-FFF2-40B4-BE49-F238E27FC236}">
-                <a16:creationId xmlns:a16="http://schemas.microsoft.com/office/drawing/2014/main" id="{4B8E2F85-84CC-334D-B3A2-E0F6BE09DCFF}"/>
-              </a:ext>
-            </a:extLst>
-          </p:cNvPr>
-          <p:cNvSpPr txBox="1"/>
-          <p:nvPr/>
-        </p:nvSpPr>
-        <p:spPr>
-          <a:xfrm>
-            <a:off x="355600" y="6370320"/>
-            <a:ext cx="5659120" cy="369332"/>
-          </a:xfrm>
-          <a:prstGeom prst="rect">
-            <a:avLst/>
-          </a:prstGeom>
-          <a:noFill/>
-        </p:spPr>
-        <p:txBody>
-          <a:bodyPr wrap="square" rtlCol="0">
-            <a:spAutoFit/>
-          </a:bodyPr>
-          <a:lstStyle/>
-          <a:p>
-            <a:r>
-              <a:rPr lang="en-US" dirty="0"/>
-              <a:t>C. </a:t>
-            </a:r>
-            <a:r>
-              <a:rPr lang="en-US" dirty="0" err="1"/>
-              <a:t>Gosmeyer</a:t>
-            </a:r>
-            <a:r>
-              <a:rPr lang="en-US" dirty="0"/>
-              <a:t>, </a:t>
-            </a:r>
-            <a:r>
-              <a:rPr lang="en-US" dirty="0" err="1"/>
-              <a:t>github.com</a:t>
-            </a:r>
-            <a:r>
-              <a:rPr lang="en-US" dirty="0"/>
-              <a:t>/</a:t>
-            </a:r>
-            <a:r>
-              <a:rPr lang="en-US" dirty="0" err="1"/>
-              <a:t>cgosmeyer</a:t>
-            </a:r>
-            <a:endParaRPr lang="en-US" dirty="0"/>
-          </a:p>
-        </p:txBody>
-      </p:sp>
-      <p:sp>
-        <p:nvSpPr>
           <p:cNvPr id="9" name="Rectangle 8">
             <a:extLst>
               <a:ext uri="{FF2B5EF4-FFF2-40B4-BE49-F238E27FC236}">
@@ -7371,6 +7500,93 @@
           </a:p>
         </p:txBody>
       </p:sp>
+      <p:sp>
+        <p:nvSpPr>
+          <p:cNvPr id="34" name="TextBox 33">
+            <a:extLst>
+              <a:ext uri="{FF2B5EF4-FFF2-40B4-BE49-F238E27FC236}">
+                <a16:creationId xmlns:a16="http://schemas.microsoft.com/office/drawing/2014/main" id="{6C0E446B-5DD9-4842-A6AC-10E7975AD1BF}"/>
+              </a:ext>
+            </a:extLst>
+          </p:cNvPr>
+          <p:cNvSpPr txBox="1"/>
+          <p:nvPr/>
+        </p:nvSpPr>
+        <p:spPr>
+          <a:xfrm>
+            <a:off x="355600" y="6370320"/>
+            <a:ext cx="5659120" cy="369332"/>
+          </a:xfrm>
+          <a:prstGeom prst="rect">
+            <a:avLst/>
+          </a:prstGeom>
+          <a:noFill/>
+        </p:spPr>
+        <p:txBody>
+          <a:bodyPr wrap="square" rtlCol="0">
+            <a:spAutoFit/>
+          </a:bodyPr>
+          <a:lstStyle/>
+          <a:p>
+            <a:r>
+              <a:rPr lang="en-US" dirty="0"/>
+              <a:t>        </a:t>
+            </a:r>
+            <a:r>
+              <a:rPr lang="en-US" dirty="0" err="1"/>
+              <a:t>cgosmeyer</a:t>
+            </a:r>
+            <a:endParaRPr lang="en-US" dirty="0"/>
+          </a:p>
+        </p:txBody>
+      </p:sp>
+      <p:pic>
+        <p:nvPicPr>
+          <p:cNvPr id="37" name="Picture 6" descr="Image result for github logo">
+            <a:extLst>
+              <a:ext uri="{FF2B5EF4-FFF2-40B4-BE49-F238E27FC236}">
+                <a16:creationId xmlns:a16="http://schemas.microsoft.com/office/drawing/2014/main" id="{1A8D1BA4-858D-FE47-B3B9-AC33D8573368}"/>
+              </a:ext>
+            </a:extLst>
+          </p:cNvPr>
+          <p:cNvPicPr>
+            <a:picLocks noChangeAspect="1" noChangeArrowheads="1"/>
+          </p:cNvPicPr>
+          <p:nvPr/>
+        </p:nvPicPr>
+        <p:blipFill>
+          <a:blip r:embed="rId5">
+            <a:extLst>
+              <a:ext uri="{28A0092B-C50C-407E-A947-70E740481C1C}">
+                <a14:useLocalDpi xmlns:a14="http://schemas.microsoft.com/office/drawing/2010/main" val="0"/>
+              </a:ext>
+            </a:extLst>
+          </a:blip>
+          <a:srcRect/>
+          <a:stretch>
+            <a:fillRect/>
+          </a:stretch>
+        </p:blipFill>
+        <p:spPr bwMode="auto">
+          <a:xfrm>
+            <a:off x="424895" y="6319395"/>
+            <a:ext cx="471182" cy="471182"/>
+          </a:xfrm>
+          <a:prstGeom prst="rect">
+            <a:avLst/>
+          </a:prstGeom>
+          <a:noFill/>
+          <a:extLst>
+            <a:ext uri="{909E8E84-426E-40DD-AFC4-6F175D3DCCD1}">
+              <a14:hiddenFill xmlns:a14="http://schemas.microsoft.com/office/drawing/2010/main">
+                <a:solidFill>
+                  <a:srgbClr val="FFFFFF"/>
+                </a:solidFill>
+              </a14:hiddenFill>
+            </a:ext>
+          </a:extLst>
+        </p:spPr>
+      </p:pic>
     </p:spTree>
     <p:extLst>
       <p:ext uri="{BB962C8B-B14F-4D97-AF65-F5344CB8AC3E}">
@@ -7867,10 +8083,10 @@
       </p:sp>
       <p:sp>
         <p:nvSpPr>
-          <p:cNvPr id="4" name="TextBox 3">
-            <a:extLst>
-              <a:ext uri="{FF2B5EF4-FFF2-40B4-BE49-F238E27FC236}">
-                <a16:creationId xmlns:a16="http://schemas.microsoft.com/office/drawing/2014/main" id="{7AC2B5E7-6DCC-064E-A11F-988857A5AAC5}"/>
+          <p:cNvPr id="5" name="TextBox 4">
+            <a:extLst>
+              <a:ext uri="{FF2B5EF4-FFF2-40B4-BE49-F238E27FC236}">
+                <a16:creationId xmlns:a16="http://schemas.microsoft.com/office/drawing/2014/main" id="{B676164B-BE7B-DC4B-943B-DBB2ABC8E72C}"/>
               </a:ext>
             </a:extLst>
           </p:cNvPr>
@@ -7879,7 +8095,7 @@
         </p:nvSpPr>
         <p:spPr>
           <a:xfrm>
-            <a:off x="355600" y="6370320"/>
+            <a:off x="6827520" y="6370320"/>
             <a:ext cx="5659120" cy="369332"/>
           </a:xfrm>
           <a:prstGeom prst="rect">
@@ -7895,38 +8111,17 @@
           <a:p>
             <a:r>
               <a:rPr lang="en-US" dirty="0"/>
-              <a:t>C. </a:t>
-            </a:r>
-            <a:r>
-              <a:rPr lang="en-US" dirty="0" err="1"/>
-              <a:t>Gosmeyer</a:t>
-            </a:r>
-            <a:r>
-              <a:rPr lang="en-US" dirty="0"/>
-              <a:t>, </a:t>
-            </a:r>
-            <a:r>
-              <a:rPr lang="en-US" dirty="0" err="1"/>
-              <a:t>github.com</a:t>
-            </a:r>
-            <a:r>
-              <a:rPr lang="en-US" dirty="0"/>
-              <a:t>/</a:t>
-            </a:r>
-            <a:r>
-              <a:rPr lang="en-US" dirty="0" err="1"/>
-              <a:t>cgosmeyer</a:t>
-            </a:r>
-            <a:endParaRPr lang="en-US" dirty="0"/>
-          </a:p>
-        </p:txBody>
-      </p:sp>
-      <p:sp>
-        <p:nvSpPr>
-          <p:cNvPr id="5" name="TextBox 4">
-            <a:extLst>
-              <a:ext uri="{FF2B5EF4-FFF2-40B4-BE49-F238E27FC236}">
-                <a16:creationId xmlns:a16="http://schemas.microsoft.com/office/drawing/2014/main" id="{B676164B-BE7B-DC4B-943B-DBB2ABC8E72C}"/>
+              <a:t>NASA Goddard Space Flight Center/ADNET Systems</a:t>
+            </a:r>
+          </a:p>
+        </p:txBody>
+      </p:sp>
+      <p:sp>
+        <p:nvSpPr>
+          <p:cNvPr id="6" name="TextBox 5">
+            <a:extLst>
+              <a:ext uri="{FF2B5EF4-FFF2-40B4-BE49-F238E27FC236}">
+                <a16:creationId xmlns:a16="http://schemas.microsoft.com/office/drawing/2014/main" id="{F3BBB4BF-8FF2-3F47-909E-711A35FF953E}"/>
               </a:ext>
             </a:extLst>
           </p:cNvPr>
@@ -7935,8 +8130,8 @@
         </p:nvSpPr>
         <p:spPr>
           <a:xfrm>
-            <a:off x="6827520" y="6370320"/>
-            <a:ext cx="5659120" cy="369332"/>
+            <a:off x="5736773" y="681037"/>
+            <a:ext cx="6030685" cy="830997"/>
           </a:xfrm>
           <a:prstGeom prst="rect">
             <a:avLst/>
@@ -7950,18 +8145,44 @@
           <a:lstStyle/>
           <a:p>
             <a:r>
-              <a:rPr lang="en-US" dirty="0"/>
-              <a:t>NASA Goddard Space Flight Center/ADNET Systems</a:t>
-            </a:r>
-          </a:p>
-        </p:txBody>
-      </p:sp>
-      <p:sp>
-        <p:nvSpPr>
-          <p:cNvPr id="6" name="TextBox 5">
-            <a:extLst>
-              <a:ext uri="{FF2B5EF4-FFF2-40B4-BE49-F238E27FC236}">
-                <a16:creationId xmlns:a16="http://schemas.microsoft.com/office/drawing/2014/main" id="{F3BBB4BF-8FF2-3F47-909E-711A35FF953E}"/>
+              <a:rPr lang="en-US" sz="2400" b="1" dirty="0"/>
+              <a:t>import pickle</a:t>
+            </a:r>
+          </a:p>
+          <a:p>
+            <a:r>
+              <a:rPr lang="en-US" sz="2400" b="1" dirty="0" err="1"/>
+              <a:t>pickle.dump</a:t>
+            </a:r>
+            <a:r>
+              <a:rPr lang="en-US" sz="2400" b="1" dirty="0"/>
+              <a:t>(obj, open(”</a:t>
+            </a:r>
+            <a:r>
+              <a:rPr lang="en-US" sz="2400" b="1" dirty="0" err="1"/>
+              <a:t>mypickle.pkl</a:t>
+            </a:r>
+            <a:r>
+              <a:rPr lang="en-US" sz="2400" b="1" dirty="0"/>
+              <a:t>", "</a:t>
+            </a:r>
+            <a:r>
+              <a:rPr lang="en-US" sz="2400" b="1" dirty="0" err="1"/>
+              <a:t>wb</a:t>
+            </a:r>
+            <a:r>
+              <a:rPr lang="en-US" sz="2400" b="1" dirty="0"/>
+              <a:t>"))</a:t>
+            </a:r>
+          </a:p>
+        </p:txBody>
+      </p:sp>
+      <p:sp>
+        <p:nvSpPr>
+          <p:cNvPr id="7" name="TextBox 6">
+            <a:extLst>
+              <a:ext uri="{FF2B5EF4-FFF2-40B4-BE49-F238E27FC236}">
+                <a16:creationId xmlns:a16="http://schemas.microsoft.com/office/drawing/2014/main" id="{7A87C8FF-C4B3-1A4F-8380-C870EE485A2A}"/>
               </a:ext>
             </a:extLst>
           </p:cNvPr>
@@ -7970,8 +8191,8 @@
         </p:nvSpPr>
         <p:spPr>
           <a:xfrm>
-            <a:off x="5736773" y="681037"/>
-            <a:ext cx="6030685" cy="830997"/>
+            <a:off x="355600" y="6370320"/>
+            <a:ext cx="5659120" cy="369332"/>
           </a:xfrm>
           <a:prstGeom prst="rect">
             <a:avLst/>
@@ -7985,38 +8206,64 @@
           <a:lstStyle/>
           <a:p>
             <a:r>
-              <a:rPr lang="en-US" sz="2400" b="1" dirty="0"/>
-              <a:t>import pickle</a:t>
-            </a:r>
-          </a:p>
-          <a:p>
-            <a:r>
-              <a:rPr lang="en-US" sz="2400" b="1" dirty="0" err="1"/>
-              <a:t>pickle.dump</a:t>
-            </a:r>
-            <a:r>
-              <a:rPr lang="en-US" sz="2400" b="1" dirty="0"/>
-              <a:t>(obj, open(”</a:t>
-            </a:r>
-            <a:r>
-              <a:rPr lang="en-US" sz="2400" b="1" dirty="0" err="1"/>
-              <a:t>mypickle.pkl</a:t>
-            </a:r>
-            <a:r>
-              <a:rPr lang="en-US" sz="2400" b="1" dirty="0"/>
-              <a:t>", "</a:t>
-            </a:r>
-            <a:r>
-              <a:rPr lang="en-US" sz="2400" b="1" dirty="0" err="1"/>
-              <a:t>wb</a:t>
-            </a:r>
-            <a:r>
-              <a:rPr lang="en-US" sz="2400" b="1" dirty="0"/>
-              <a:t>"))</a:t>
-            </a:r>
-          </a:p>
-        </p:txBody>
-      </p:sp>
+              <a:rPr lang="en-US" dirty="0"/>
+              <a:t>        </a:t>
+            </a:r>
+            <a:r>
+              <a:rPr lang="en-US" dirty="0" err="1"/>
+              <a:t>cgosmeyer</a:t>
+            </a:r>
+            <a:endParaRPr lang="en-US" dirty="0"/>
+          </a:p>
+        </p:txBody>
+      </p:sp>
+      <p:pic>
+        <p:nvPicPr>
+          <p:cNvPr id="8" name="Picture 6" descr="Image result for github logo">
+            <a:extLst>
+              <a:ext uri="{FF2B5EF4-FFF2-40B4-BE49-F238E27FC236}">
+                <a16:creationId xmlns:a16="http://schemas.microsoft.com/office/drawing/2014/main" id="{B2BDADA5-BCC2-5244-B5B8-3142233F4FD5}"/>
+              </a:ext>
+            </a:extLst>
+          </p:cNvPr>
+          <p:cNvPicPr>
+            <a:picLocks noChangeAspect="1" noChangeArrowheads="1"/>
+          </p:cNvPicPr>
+          <p:nvPr/>
+        </p:nvPicPr>
+        <p:blipFill>
+          <a:blip r:embed="rId3">
+            <a:extLst>
+              <a:ext uri="{28A0092B-C50C-407E-A947-70E740481C1C}">
+                <a14:useLocalDpi xmlns:a14="http://schemas.microsoft.com/office/drawing/2010/main" val="0"/>
+              </a:ext>
+            </a:extLst>
+          </a:blip>
+          <a:srcRect/>
+          <a:stretch>
+            <a:fillRect/>
+          </a:stretch>
+        </p:blipFill>
+        <p:spPr bwMode="auto">
+          <a:xfrm>
+            <a:off x="424895" y="6319395"/>
+            <a:ext cx="471182" cy="471182"/>
+          </a:xfrm>
+          <a:prstGeom prst="rect">
+            <a:avLst/>
+          </a:prstGeom>
+          <a:noFill/>
+          <a:extLst>
+            <a:ext uri="{909E8E84-426E-40DD-AFC4-6F175D3DCCD1}">
+              <a14:hiddenFill xmlns:a14="http://schemas.microsoft.com/office/drawing/2010/main">
+                <a:solidFill>
+                  <a:srgbClr val="FFFFFF"/>
+                </a:solidFill>
+              </a14:hiddenFill>
+            </a:ext>
+          </a:extLst>
+        </p:spPr>
+      </p:pic>
     </p:spTree>
     <p:extLst>
       <p:ext uri="{BB962C8B-B14F-4D97-AF65-F5344CB8AC3E}">
@@ -8153,10 +8400,10 @@
       </p:sp>
       <p:sp>
         <p:nvSpPr>
-          <p:cNvPr id="4" name="TextBox 3">
-            <a:extLst>
-              <a:ext uri="{FF2B5EF4-FFF2-40B4-BE49-F238E27FC236}">
-                <a16:creationId xmlns:a16="http://schemas.microsoft.com/office/drawing/2014/main" id="{7AC2B5E7-6DCC-064E-A11F-988857A5AAC5}"/>
+          <p:cNvPr id="5" name="TextBox 4">
+            <a:extLst>
+              <a:ext uri="{FF2B5EF4-FFF2-40B4-BE49-F238E27FC236}">
+                <a16:creationId xmlns:a16="http://schemas.microsoft.com/office/drawing/2014/main" id="{B676164B-BE7B-DC4B-943B-DBB2ABC8E72C}"/>
               </a:ext>
             </a:extLst>
           </p:cNvPr>
@@ -8165,7 +8412,7 @@
         </p:nvSpPr>
         <p:spPr>
           <a:xfrm>
-            <a:off x="355600" y="6370320"/>
+            <a:off x="6827520" y="6370320"/>
             <a:ext cx="5659120" cy="369332"/>
           </a:xfrm>
           <a:prstGeom prst="rect">
@@ -8181,38 +8428,17 @@
           <a:p>
             <a:r>
               <a:rPr lang="en-US" dirty="0"/>
-              <a:t>C. </a:t>
-            </a:r>
-            <a:r>
-              <a:rPr lang="en-US" dirty="0" err="1"/>
-              <a:t>Gosmeyer</a:t>
-            </a:r>
-            <a:r>
-              <a:rPr lang="en-US" dirty="0"/>
-              <a:t>, </a:t>
-            </a:r>
-            <a:r>
-              <a:rPr lang="en-US" dirty="0" err="1"/>
-              <a:t>github.com</a:t>
-            </a:r>
-            <a:r>
-              <a:rPr lang="en-US" dirty="0"/>
-              <a:t>/</a:t>
-            </a:r>
-            <a:r>
-              <a:rPr lang="en-US" dirty="0" err="1"/>
-              <a:t>cgosmeyer</a:t>
-            </a:r>
-            <a:endParaRPr lang="en-US" dirty="0"/>
-          </a:p>
-        </p:txBody>
-      </p:sp>
-      <p:sp>
-        <p:nvSpPr>
-          <p:cNvPr id="5" name="TextBox 4">
-            <a:extLst>
-              <a:ext uri="{FF2B5EF4-FFF2-40B4-BE49-F238E27FC236}">
-                <a16:creationId xmlns:a16="http://schemas.microsoft.com/office/drawing/2014/main" id="{B676164B-BE7B-DC4B-943B-DBB2ABC8E72C}"/>
+              <a:t>NASA Goddard Space Flight Center/ADNET Systems</a:t>
+            </a:r>
+          </a:p>
+        </p:txBody>
+      </p:sp>
+      <p:sp>
+        <p:nvSpPr>
+          <p:cNvPr id="6" name="TextBox 5">
+            <a:extLst>
+              <a:ext uri="{FF2B5EF4-FFF2-40B4-BE49-F238E27FC236}">
+                <a16:creationId xmlns:a16="http://schemas.microsoft.com/office/drawing/2014/main" id="{F3BBB4BF-8FF2-3F47-909E-711A35FF953E}"/>
               </a:ext>
             </a:extLst>
           </p:cNvPr>
@@ -8221,8 +8447,8 @@
         </p:nvSpPr>
         <p:spPr>
           <a:xfrm>
-            <a:off x="6827520" y="6370320"/>
-            <a:ext cx="5659120" cy="369332"/>
+            <a:off x="5736773" y="681037"/>
+            <a:ext cx="6030685" cy="830997"/>
           </a:xfrm>
           <a:prstGeom prst="rect">
             <a:avLst/>
@@ -8236,18 +8462,44 @@
           <a:lstStyle/>
           <a:p>
             <a:r>
-              <a:rPr lang="en-US" dirty="0"/>
-              <a:t>NASA Goddard Space Flight Center/ADNET Systems</a:t>
-            </a:r>
-          </a:p>
-        </p:txBody>
-      </p:sp>
-      <p:sp>
-        <p:nvSpPr>
-          <p:cNvPr id="6" name="TextBox 5">
-            <a:extLst>
-              <a:ext uri="{FF2B5EF4-FFF2-40B4-BE49-F238E27FC236}">
-                <a16:creationId xmlns:a16="http://schemas.microsoft.com/office/drawing/2014/main" id="{F3BBB4BF-8FF2-3F47-909E-711A35FF953E}"/>
+              <a:rPr lang="en-US" sz="2400" b="1" dirty="0"/>
+              <a:t>import pickle</a:t>
+            </a:r>
+          </a:p>
+          <a:p>
+            <a:r>
+              <a:rPr lang="en-US" sz="2400" b="1" dirty="0" err="1"/>
+              <a:t>pickle.dump</a:t>
+            </a:r>
+            <a:r>
+              <a:rPr lang="en-US" sz="2400" b="1" dirty="0"/>
+              <a:t>(obj, open(”</a:t>
+            </a:r>
+            <a:r>
+              <a:rPr lang="en-US" sz="2400" b="1" dirty="0" err="1"/>
+              <a:t>mypickle.pkl</a:t>
+            </a:r>
+            <a:r>
+              <a:rPr lang="en-US" sz="2400" b="1" dirty="0"/>
+              <a:t>", "</a:t>
+            </a:r>
+            <a:r>
+              <a:rPr lang="en-US" sz="2400" b="1" dirty="0" err="1"/>
+              <a:t>wb</a:t>
+            </a:r>
+            <a:r>
+              <a:rPr lang="en-US" sz="2400" b="1" dirty="0"/>
+              <a:t>"))</a:t>
+            </a:r>
+          </a:p>
+        </p:txBody>
+      </p:sp>
+      <p:sp>
+        <p:nvSpPr>
+          <p:cNvPr id="8" name="TextBox 7">
+            <a:extLst>
+              <a:ext uri="{FF2B5EF4-FFF2-40B4-BE49-F238E27FC236}">
+                <a16:creationId xmlns:a16="http://schemas.microsoft.com/office/drawing/2014/main" id="{5907391E-7DF0-D24D-9D5D-14488E844FC6}"/>
               </a:ext>
             </a:extLst>
           </p:cNvPr>
@@ -8256,8 +8508,8 @@
         </p:nvSpPr>
         <p:spPr>
           <a:xfrm>
-            <a:off x="5736773" y="681037"/>
-            <a:ext cx="6030685" cy="830997"/>
+            <a:off x="355600" y="6370320"/>
+            <a:ext cx="5659120" cy="369332"/>
           </a:xfrm>
           <a:prstGeom prst="rect">
             <a:avLst/>
@@ -8271,38 +8523,64 @@
           <a:lstStyle/>
           <a:p>
             <a:r>
-              <a:rPr lang="en-US" sz="2400" b="1" dirty="0"/>
-              <a:t>import pickle</a:t>
-            </a:r>
-          </a:p>
-          <a:p>
-            <a:r>
-              <a:rPr lang="en-US" sz="2400" b="1" dirty="0" err="1"/>
-              <a:t>pickle.dump</a:t>
-            </a:r>
-            <a:r>
-              <a:rPr lang="en-US" sz="2400" b="1" dirty="0"/>
-              <a:t>(obj, open(”</a:t>
-            </a:r>
-            <a:r>
-              <a:rPr lang="en-US" sz="2400" b="1" dirty="0" err="1"/>
-              <a:t>mypickle.pkl</a:t>
-            </a:r>
-            <a:r>
-              <a:rPr lang="en-US" sz="2400" b="1" dirty="0"/>
-              <a:t>", "</a:t>
-            </a:r>
-            <a:r>
-              <a:rPr lang="en-US" sz="2400" b="1" dirty="0" err="1"/>
-              <a:t>wb</a:t>
-            </a:r>
-            <a:r>
-              <a:rPr lang="en-US" sz="2400" b="1" dirty="0"/>
-              <a:t>"))</a:t>
-            </a:r>
-          </a:p>
-        </p:txBody>
-      </p:sp>
+              <a:rPr lang="en-US" dirty="0"/>
+              <a:t>        </a:t>
+            </a:r>
+            <a:r>
+              <a:rPr lang="en-US" dirty="0" err="1"/>
+              <a:t>cgosmeyer</a:t>
+            </a:r>
+            <a:endParaRPr lang="en-US" dirty="0"/>
+          </a:p>
+        </p:txBody>
+      </p:sp>
+      <p:pic>
+        <p:nvPicPr>
+          <p:cNvPr id="9" name="Picture 6" descr="Image result for github logo">
+            <a:extLst>
+              <a:ext uri="{FF2B5EF4-FFF2-40B4-BE49-F238E27FC236}">
+                <a16:creationId xmlns:a16="http://schemas.microsoft.com/office/drawing/2014/main" id="{B566221C-A9A3-9646-9400-C5051B585925}"/>
+              </a:ext>
+            </a:extLst>
+          </p:cNvPr>
+          <p:cNvPicPr>
+            <a:picLocks noChangeAspect="1" noChangeArrowheads="1"/>
+          </p:cNvPicPr>
+          <p:nvPr/>
+        </p:nvPicPr>
+        <p:blipFill>
+          <a:blip r:embed="rId3">
+            <a:extLst>
+              <a:ext uri="{28A0092B-C50C-407E-A947-70E740481C1C}">
+                <a14:useLocalDpi xmlns:a14="http://schemas.microsoft.com/office/drawing/2010/main" val="0"/>
+              </a:ext>
+            </a:extLst>
+          </a:blip>
+          <a:srcRect/>
+          <a:stretch>
+            <a:fillRect/>
+          </a:stretch>
+        </p:blipFill>
+        <p:spPr bwMode="auto">
+          <a:xfrm>
+            <a:off x="424895" y="6319395"/>
+            <a:ext cx="471182" cy="471182"/>
+          </a:xfrm>
+          <a:prstGeom prst="rect">
+            <a:avLst/>
+          </a:prstGeom>
+          <a:noFill/>
+          <a:extLst>
+            <a:ext uri="{909E8E84-426E-40DD-AFC4-6F175D3DCCD1}">
+              <a14:hiddenFill xmlns:a14="http://schemas.microsoft.com/office/drawing/2010/main">
+                <a:solidFill>
+                  <a:srgbClr val="FFFFFF"/>
+                </a:solidFill>
+              </a14:hiddenFill>
+            </a:ext>
+          </a:extLst>
+        </p:spPr>
+      </p:pic>
     </p:spTree>
     <p:extLst>
       <p:ext uri="{BB962C8B-B14F-4D97-AF65-F5344CB8AC3E}">
@@ -8484,62 +8762,6 @@
       </p:sp>
       <p:sp>
         <p:nvSpPr>
-          <p:cNvPr id="5" name="TextBox 4">
-            <a:extLst>
-              <a:ext uri="{FF2B5EF4-FFF2-40B4-BE49-F238E27FC236}">
-                <a16:creationId xmlns:a16="http://schemas.microsoft.com/office/drawing/2014/main" id="{DE0BA41D-E799-764D-9738-0E67C15B23C1}"/>
-              </a:ext>
-            </a:extLst>
-          </p:cNvPr>
-          <p:cNvSpPr txBox="1"/>
-          <p:nvPr/>
-        </p:nvSpPr>
-        <p:spPr>
-          <a:xfrm>
-            <a:off x="355600" y="6370320"/>
-            <a:ext cx="5659120" cy="369332"/>
-          </a:xfrm>
-          <a:prstGeom prst="rect">
-            <a:avLst/>
-          </a:prstGeom>
-          <a:noFill/>
-        </p:spPr>
-        <p:txBody>
-          <a:bodyPr wrap="square" rtlCol="0">
-            <a:spAutoFit/>
-          </a:bodyPr>
-          <a:lstStyle/>
-          <a:p>
-            <a:r>
-              <a:rPr lang="en-US" dirty="0"/>
-              <a:t>C. </a:t>
-            </a:r>
-            <a:r>
-              <a:rPr lang="en-US" dirty="0" err="1"/>
-              <a:t>Gosmeyer</a:t>
-            </a:r>
-            <a:r>
-              <a:rPr lang="en-US" dirty="0"/>
-              <a:t>, </a:t>
-            </a:r>
-            <a:r>
-              <a:rPr lang="en-US" dirty="0" err="1"/>
-              <a:t>github.com</a:t>
-            </a:r>
-            <a:r>
-              <a:rPr lang="en-US" dirty="0"/>
-              <a:t>/</a:t>
-            </a:r>
-            <a:r>
-              <a:rPr lang="en-US" dirty="0" err="1"/>
-              <a:t>cgosmeyer</a:t>
-            </a:r>
-            <a:endParaRPr lang="en-US" dirty="0"/>
-          </a:p>
-        </p:txBody>
-      </p:sp>
-      <p:sp>
-        <p:nvSpPr>
           <p:cNvPr id="6" name="TextBox 5">
             <a:extLst>
               <a:ext uri="{FF2B5EF4-FFF2-40B4-BE49-F238E27FC236}">
@@ -8604,6 +8826,93 @@
           <a:xfrm>
             <a:off x="7121978" y="4185416"/>
             <a:ext cx="669472" cy="669472"/>
+          </a:xfrm>
+          <a:prstGeom prst="rect">
+            <a:avLst/>
+          </a:prstGeom>
+          <a:noFill/>
+          <a:extLst>
+            <a:ext uri="{909E8E84-426E-40DD-AFC4-6F175D3DCCD1}">
+              <a14:hiddenFill xmlns:a14="http://schemas.microsoft.com/office/drawing/2010/main">
+                <a:solidFill>
+                  <a:srgbClr val="FFFFFF"/>
+                </a:solidFill>
+              </a14:hiddenFill>
+            </a:ext>
+          </a:extLst>
+        </p:spPr>
+      </p:pic>
+      <p:sp>
+        <p:nvSpPr>
+          <p:cNvPr id="8" name="TextBox 7">
+            <a:extLst>
+              <a:ext uri="{FF2B5EF4-FFF2-40B4-BE49-F238E27FC236}">
+                <a16:creationId xmlns:a16="http://schemas.microsoft.com/office/drawing/2014/main" id="{4DE6BAC2-3C32-384B-BC5B-2B67AE1AABDB}"/>
+              </a:ext>
+            </a:extLst>
+          </p:cNvPr>
+          <p:cNvSpPr txBox="1"/>
+          <p:nvPr/>
+        </p:nvSpPr>
+        <p:spPr>
+          <a:xfrm>
+            <a:off x="355600" y="6370320"/>
+            <a:ext cx="5659120" cy="369332"/>
+          </a:xfrm>
+          <a:prstGeom prst="rect">
+            <a:avLst/>
+          </a:prstGeom>
+          <a:noFill/>
+        </p:spPr>
+        <p:txBody>
+          <a:bodyPr wrap="square" rtlCol="0">
+            <a:spAutoFit/>
+          </a:bodyPr>
+          <a:lstStyle/>
+          <a:p>
+            <a:r>
+              <a:rPr lang="en-US" dirty="0"/>
+              <a:t>        </a:t>
+            </a:r>
+            <a:r>
+              <a:rPr lang="en-US" dirty="0" err="1"/>
+              <a:t>cgosmeyer</a:t>
+            </a:r>
+            <a:endParaRPr lang="en-US" dirty="0"/>
+          </a:p>
+        </p:txBody>
+      </p:sp>
+      <p:pic>
+        <p:nvPicPr>
+          <p:cNvPr id="9" name="Picture 6" descr="Image result for github logo">
+            <a:extLst>
+              <a:ext uri="{FF2B5EF4-FFF2-40B4-BE49-F238E27FC236}">
+                <a16:creationId xmlns:a16="http://schemas.microsoft.com/office/drawing/2014/main" id="{BF216D92-5465-8F40-8B07-21A322848895}"/>
+              </a:ext>
+            </a:extLst>
+          </p:cNvPr>
+          <p:cNvPicPr>
+            <a:picLocks noChangeAspect="1" noChangeArrowheads="1"/>
+          </p:cNvPicPr>
+          <p:nvPr/>
+        </p:nvPicPr>
+        <p:blipFill>
+          <a:blip r:embed="rId4">
+            <a:extLst>
+              <a:ext uri="{28A0092B-C50C-407E-A947-70E740481C1C}">
+                <a14:useLocalDpi xmlns:a14="http://schemas.microsoft.com/office/drawing/2010/main" val="0"/>
+              </a:ext>
+            </a:extLst>
+          </a:blip>
+          <a:srcRect/>
+          <a:stretch>
+            <a:fillRect/>
+          </a:stretch>
+        </p:blipFill>
+        <p:spPr bwMode="auto">
+          <a:xfrm>
+            <a:off x="424895" y="6319395"/>
+            <a:ext cx="471182" cy="471182"/>
           </a:xfrm>
           <a:prstGeom prst="rect">
             <a:avLst/>
